--- a/Storage Plors.pptx
+++ b/Storage Plors.pptx
@@ -5,12 +5,13 @@
     <p:sldMasterId id="2147483648" r:id="rId1"/>
   </p:sldMasterIdLst>
   <p:notesMasterIdLst>
-    <p:notesMasterId r:id="rId5"/>
+    <p:notesMasterId r:id="rId6"/>
   </p:notesMasterIdLst>
   <p:sldIdLst>
     <p:sldId id="256" r:id="rId2"/>
     <p:sldId id="259" r:id="rId3"/>
     <p:sldId id="260" r:id="rId4"/>
+    <p:sldId id="261" r:id="rId5"/>
   </p:sldIdLst>
   <p:sldSz cx="12192000" cy="6858000"/>
   <p:notesSz cx="6858000" cy="9144000"/>
@@ -19822,6 +19823,89 @@
 </p:sld>
 </file>
 
+<file path=ppt/slides/slide4.xml><?xml version="1.0" encoding="utf-8"?>
+<p:sld xmlns:a="http://schemas.openxmlformats.org/drawingml/2006/main" xmlns:r="http://schemas.openxmlformats.org/officeDocument/2006/relationships" xmlns:p="http://schemas.openxmlformats.org/presentationml/2006/main">
+  <p:cSld>
+    <p:spTree>
+      <p:nvGrpSpPr>
+        <p:cNvPr id="1" name=""/>
+        <p:cNvGrpSpPr/>
+        <p:nvPr/>
+      </p:nvGrpSpPr>
+      <p:grpSpPr>
+        <a:xfrm>
+          <a:off x="0" y="0"/>
+          <a:ext cx="0" cy="0"/>
+          <a:chOff x="0" y="0"/>
+          <a:chExt cx="0" cy="0"/>
+        </a:xfrm>
+      </p:grpSpPr>
+      <p:sp>
+        <p:nvSpPr>
+          <p:cNvPr id="2" name="Title 1">
+            <a:extLst>
+              <a:ext uri="{FF2B5EF4-FFF2-40B4-BE49-F238E27FC236}">
+                <a16:creationId xmlns:a16="http://schemas.microsoft.com/office/drawing/2014/main" id="{93DE6959-5FC5-84BB-2E48-1FE4F56FC461}"/>
+              </a:ext>
+            </a:extLst>
+          </p:cNvPr>
+          <p:cNvSpPr>
+            <a:spLocks noGrp="1"/>
+          </p:cNvSpPr>
+          <p:nvPr>
+            <p:ph type="title"/>
+          </p:nvPr>
+        </p:nvSpPr>
+        <p:spPr/>
+        <p:txBody>
+          <a:bodyPr/>
+          <a:lstStyle/>
+          <a:p>
+            <a:r>
+              <a:rPr lang="en-US" dirty="0"/>
+              <a:t>Adaptive Rule Results</a:t>
+            </a:r>
+          </a:p>
+        </p:txBody>
+      </p:sp>
+      <p:sp>
+        <p:nvSpPr>
+          <p:cNvPr id="3" name="Content Placeholder 2">
+            <a:extLst>
+              <a:ext uri="{FF2B5EF4-FFF2-40B4-BE49-F238E27FC236}">
+                <a16:creationId xmlns:a16="http://schemas.microsoft.com/office/drawing/2014/main" id="{7325C35D-B588-79B5-A622-3C0EBD883A43}"/>
+              </a:ext>
+            </a:extLst>
+          </p:cNvPr>
+          <p:cNvSpPr>
+            <a:spLocks noGrp="1"/>
+          </p:cNvSpPr>
+          <p:nvPr>
+            <p:ph idx="1"/>
+          </p:nvPr>
+        </p:nvSpPr>
+        <p:spPr/>
+        <p:txBody>
+          <a:bodyPr/>
+          <a:lstStyle/>
+          <a:p>
+            <a:endParaRPr lang="en-US"/>
+          </a:p>
+        </p:txBody>
+      </p:sp>
+    </p:spTree>
+    <p:extLst>
+      <p:ext uri="{BB962C8B-B14F-4D97-AF65-F5344CB8AC3E}">
+        <p14:creationId xmlns:p14="http://schemas.microsoft.com/office/powerpoint/2010/main" val="3685652085"/>
+      </p:ext>
+    </p:extLst>
+  </p:cSld>
+  <p:clrMapOvr>
+    <a:masterClrMapping/>
+  </p:clrMapOvr>
+</p:sld>
+</file>
+
 <file path=ppt/theme/theme1.xml><?xml version="1.0" encoding="utf-8"?>
 <a:theme xmlns:a="http://schemas.openxmlformats.org/drawingml/2006/main" name="Office Theme">
   <a:themeElements>

--- a/Storage Plors.pptx
+++ b/Storage Plors.pptx
@@ -5,13 +5,15 @@
     <p:sldMasterId id="2147483648" r:id="rId1"/>
   </p:sldMasterIdLst>
   <p:notesMasterIdLst>
-    <p:notesMasterId r:id="rId6"/>
+    <p:notesMasterId r:id="rId8"/>
   </p:notesMasterIdLst>
   <p:sldIdLst>
     <p:sldId id="256" r:id="rId2"/>
     <p:sldId id="259" r:id="rId3"/>
     <p:sldId id="260" r:id="rId4"/>
-    <p:sldId id="261" r:id="rId5"/>
+    <p:sldId id="263" r:id="rId5"/>
+    <p:sldId id="261" r:id="rId6"/>
+    <p:sldId id="262" r:id="rId7"/>
   </p:sldIdLst>
   <p:sldSz cx="12192000" cy="6858000"/>
   <p:notesSz cx="6858000" cy="9144000"/>
@@ -110,6 +112,11 @@
       </a:defRPr>
     </a:lvl9pPr>
   </p:defaultTextStyle>
+  <p:extLst>
+    <p:ext uri="{EFAFB233-063F-42B5-8137-9DF3F51BA10A}">
+      <p15:sldGuideLst xmlns:p15="http://schemas.microsoft.com/office/powerpoint/2012/main"/>
+    </p:ext>
+  </p:extLst>
 </p:presentation>
 </file>
 
@@ -16089,7 +16096,7 @@
           <a:p>
             <a:fld id="{55BF650A-F2B7-3A46-BE4B-87E5118A3E68}" type="datetimeFigureOut">
               <a:rPr lang="en-US" smtClean="0"/>
-              <a:t>11/6/25</a:t>
+              <a:t>11/7/25</a:t>
             </a:fld>
             <a:endParaRPr lang="en-US"/>
           </a:p>
@@ -16503,7 +16510,7 @@
           <a:p>
             <a:fld id="{7EE33524-611C-A54C-966A-1460D708790B}" type="datetimeFigureOut">
               <a:rPr lang="en-US" smtClean="0"/>
-              <a:t>11/6/25</a:t>
+              <a:t>11/7/25</a:t>
             </a:fld>
             <a:endParaRPr lang="en-US"/>
           </a:p>
@@ -16701,7 +16708,7 @@
           <a:p>
             <a:fld id="{7EE33524-611C-A54C-966A-1460D708790B}" type="datetimeFigureOut">
               <a:rPr lang="en-US" smtClean="0"/>
-              <a:t>11/6/25</a:t>
+              <a:t>11/7/25</a:t>
             </a:fld>
             <a:endParaRPr lang="en-US"/>
           </a:p>
@@ -16909,7 +16916,7 @@
           <a:p>
             <a:fld id="{7EE33524-611C-A54C-966A-1460D708790B}" type="datetimeFigureOut">
               <a:rPr lang="en-US" smtClean="0"/>
-              <a:t>11/6/25</a:t>
+              <a:t>11/7/25</a:t>
             </a:fld>
             <a:endParaRPr lang="en-US"/>
           </a:p>
@@ -17107,7 +17114,7 @@
           <a:p>
             <a:fld id="{7EE33524-611C-A54C-966A-1460D708790B}" type="datetimeFigureOut">
               <a:rPr lang="en-US" smtClean="0"/>
-              <a:t>11/6/25</a:t>
+              <a:t>11/7/25</a:t>
             </a:fld>
             <a:endParaRPr lang="en-US"/>
           </a:p>
@@ -17382,7 +17389,7 @@
           <a:p>
             <a:fld id="{7EE33524-611C-A54C-966A-1460D708790B}" type="datetimeFigureOut">
               <a:rPr lang="en-US" smtClean="0"/>
-              <a:t>11/6/25</a:t>
+              <a:t>11/7/25</a:t>
             </a:fld>
             <a:endParaRPr lang="en-US"/>
           </a:p>
@@ -17647,7 +17654,7 @@
           <a:p>
             <a:fld id="{7EE33524-611C-A54C-966A-1460D708790B}" type="datetimeFigureOut">
               <a:rPr lang="en-US" smtClean="0"/>
-              <a:t>11/6/25</a:t>
+              <a:t>11/7/25</a:t>
             </a:fld>
             <a:endParaRPr lang="en-US"/>
           </a:p>
@@ -18059,7 +18066,7 @@
           <a:p>
             <a:fld id="{7EE33524-611C-A54C-966A-1460D708790B}" type="datetimeFigureOut">
               <a:rPr lang="en-US" smtClean="0"/>
-              <a:t>11/6/25</a:t>
+              <a:t>11/7/25</a:t>
             </a:fld>
             <a:endParaRPr lang="en-US"/>
           </a:p>
@@ -18200,7 +18207,7 @@
           <a:p>
             <a:fld id="{7EE33524-611C-A54C-966A-1460D708790B}" type="datetimeFigureOut">
               <a:rPr lang="en-US" smtClean="0"/>
-              <a:t>11/6/25</a:t>
+              <a:t>11/7/25</a:t>
             </a:fld>
             <a:endParaRPr lang="en-US"/>
           </a:p>
@@ -18313,7 +18320,7 @@
           <a:p>
             <a:fld id="{7EE33524-611C-A54C-966A-1460D708790B}" type="datetimeFigureOut">
               <a:rPr lang="en-US" smtClean="0"/>
-              <a:t>11/6/25</a:t>
+              <a:t>11/7/25</a:t>
             </a:fld>
             <a:endParaRPr lang="en-US"/>
           </a:p>
@@ -18624,7 +18631,7 @@
           <a:p>
             <a:fld id="{7EE33524-611C-A54C-966A-1460D708790B}" type="datetimeFigureOut">
               <a:rPr lang="en-US" smtClean="0"/>
-              <a:t>11/6/25</a:t>
+              <a:t>11/7/25</a:t>
             </a:fld>
             <a:endParaRPr lang="en-US"/>
           </a:p>
@@ -18912,7 +18919,7 @@
           <a:p>
             <a:fld id="{7EE33524-611C-A54C-966A-1460D708790B}" type="datetimeFigureOut">
               <a:rPr lang="en-US" smtClean="0"/>
-              <a:t>11/6/25</a:t>
+              <a:t>11/7/25</a:t>
             </a:fld>
             <a:endParaRPr lang="en-US"/>
           </a:p>
@@ -19153,7 +19160,7 @@
           <a:p>
             <a:fld id="{7EE33524-611C-A54C-966A-1460D708790B}" type="datetimeFigureOut">
               <a:rPr lang="en-US" smtClean="0"/>
-              <a:t>11/6/25</a:t>
+              <a:t>11/7/25</a:t>
             </a:fld>
             <a:endParaRPr lang="en-US"/>
           </a:p>
@@ -19842,10 +19849,131 @@
       </p:grpSpPr>
       <p:sp>
         <p:nvSpPr>
-          <p:cNvPr id="2" name="Title 1">
+          <p:cNvPr id="4" name="Title 1">
             <a:extLst>
               <a:ext uri="{FF2B5EF4-FFF2-40B4-BE49-F238E27FC236}">
-                <a16:creationId xmlns:a16="http://schemas.microsoft.com/office/drawing/2014/main" id="{93DE6959-5FC5-84BB-2E48-1FE4F56FC461}"/>
+                <a16:creationId xmlns:a16="http://schemas.microsoft.com/office/drawing/2014/main" id="{C9F19EAB-128F-D6BE-A099-D889B63EE848}"/>
+              </a:ext>
+            </a:extLst>
+          </p:cNvPr>
+          <p:cNvSpPr txBox="1">
+            <a:spLocks/>
+          </p:cNvSpPr>
+          <p:nvPr/>
+        </p:nvSpPr>
+        <p:spPr>
+          <a:xfrm>
+            <a:off x="990600" y="517525"/>
+            <a:ext cx="10515600" cy="1325563"/>
+          </a:xfrm>
+          <a:prstGeom prst="rect">
+            <a:avLst/>
+          </a:prstGeom>
+        </p:spPr>
+        <p:txBody>
+          <a:bodyPr vert="horz" lIns="91440" tIns="45720" rIns="91440" bIns="45720" rtlCol="0" anchor="ctr">
+            <a:normAutofit/>
+          </a:bodyPr>
+          <a:lstStyle>
+            <a:lvl1pPr algn="l" defTabSz="914400" rtl="0" eaLnBrk="1" latinLnBrk="0" hangingPunct="1">
+              <a:lnSpc>
+                <a:spcPct val="90000"/>
+              </a:lnSpc>
+              <a:spcBef>
+                <a:spcPct val="0"/>
+              </a:spcBef>
+              <a:buNone/>
+              <a:defRPr sz="4400" kern="1200">
+                <a:solidFill>
+                  <a:schemeClr val="tx1"/>
+                </a:solidFill>
+                <a:latin typeface="+mj-lt"/>
+                <a:ea typeface="+mj-ea"/>
+                <a:cs typeface="+mj-cs"/>
+              </a:defRPr>
+            </a:lvl1pPr>
+          </a:lstStyle>
+          <a:p>
+            <a:r>
+              <a:rPr lang="en-US"/>
+              <a:t>Adaptive Rule Results</a:t>
+            </a:r>
+            <a:endParaRPr lang="en-US" dirty="0"/>
+          </a:p>
+        </p:txBody>
+      </p:sp>
+    </p:spTree>
+    <p:extLst>
+      <p:ext uri="{BB962C8B-B14F-4D97-AF65-F5344CB8AC3E}">
+        <p14:creationId xmlns:p14="http://schemas.microsoft.com/office/powerpoint/2010/main" val="805355572"/>
+      </p:ext>
+    </p:extLst>
+  </p:cSld>
+  <p:clrMapOvr>
+    <a:masterClrMapping/>
+  </p:clrMapOvr>
+</p:sld>
+</file>
+
+<file path=ppt/slides/slide5.xml><?xml version="1.0" encoding="utf-8"?>
+<p:sld xmlns:a="http://schemas.openxmlformats.org/drawingml/2006/main" xmlns:r="http://schemas.openxmlformats.org/officeDocument/2006/relationships" xmlns:p="http://schemas.openxmlformats.org/presentationml/2006/main">
+  <p:cSld>
+    <p:spTree>
+      <p:nvGrpSpPr>
+        <p:cNvPr id="1" name=""/>
+        <p:cNvGrpSpPr/>
+        <p:nvPr/>
+      </p:nvGrpSpPr>
+      <p:grpSpPr>
+        <a:xfrm>
+          <a:off x="0" y="0"/>
+          <a:ext cx="0" cy="0"/>
+          <a:chOff x="0" y="0"/>
+          <a:chExt cx="0" cy="0"/>
+        </a:xfrm>
+      </p:grpSpPr>
+      <p:pic>
+        <p:nvPicPr>
+          <p:cNvPr id="7" name="Graphic 6">
+            <a:extLst>
+              <a:ext uri="{FF2B5EF4-FFF2-40B4-BE49-F238E27FC236}">
+                <a16:creationId xmlns:a16="http://schemas.microsoft.com/office/drawing/2014/main" id="{DB338541-3C85-E394-0804-89DB1CE9E96F}"/>
+              </a:ext>
+            </a:extLst>
+          </p:cNvPr>
+          <p:cNvPicPr>
+            <a:picLocks noChangeAspect="1"/>
+          </p:cNvPicPr>
+          <p:nvPr/>
+        </p:nvPicPr>
+        <p:blipFill>
+          <a:blip r:embed="rId2">
+            <a:extLst>
+              <a:ext uri="{96DAC541-7B7A-43D3-8B79-37D633B846F1}">
+                <asvg:svgBlip xmlns:asvg="http://schemas.microsoft.com/office/drawing/2016/SVG/main" r:embed="rId3"/>
+              </a:ext>
+            </a:extLst>
+          </a:blip>
+          <a:stretch>
+            <a:fillRect/>
+          </a:stretch>
+        </p:blipFill>
+        <p:spPr>
+          <a:xfrm>
+            <a:off x="2555338" y="1420393"/>
+            <a:ext cx="6245762" cy="4767173"/>
+          </a:xfrm>
+          <a:prstGeom prst="rect">
+            <a:avLst/>
+          </a:prstGeom>
+        </p:spPr>
+      </p:pic>
+      <p:sp>
+        <p:nvSpPr>
+          <p:cNvPr id="11" name="Title 10">
+            <a:extLst>
+              <a:ext uri="{FF2B5EF4-FFF2-40B4-BE49-F238E27FC236}">
+                <a16:creationId xmlns:a16="http://schemas.microsoft.com/office/drawing/2014/main" id="{6CE8BBDF-7EFF-1975-B96F-71B63ABC320B}"/>
               </a:ext>
             </a:extLst>
           </p:cNvPr>
@@ -19861,19 +19989,46 @@
           <a:bodyPr/>
           <a:lstStyle/>
           <a:p>
-            <a:r>
-              <a:rPr lang="en-US" dirty="0"/>
-              <a:t>Adaptive Rule Results</a:t>
-            </a:r>
+            <a:endParaRPr lang="en-US"/>
           </a:p>
         </p:txBody>
       </p:sp>
+    </p:spTree>
+    <p:extLst>
+      <p:ext uri="{BB962C8B-B14F-4D97-AF65-F5344CB8AC3E}">
+        <p14:creationId xmlns:p14="http://schemas.microsoft.com/office/powerpoint/2010/main" val="3685652085"/>
+      </p:ext>
+    </p:extLst>
+  </p:cSld>
+  <p:clrMapOvr>
+    <a:masterClrMapping/>
+  </p:clrMapOvr>
+</p:sld>
+</file>
+
+<file path=ppt/slides/slide6.xml><?xml version="1.0" encoding="utf-8"?>
+<p:sld xmlns:a="http://schemas.openxmlformats.org/drawingml/2006/main" xmlns:r="http://schemas.openxmlformats.org/officeDocument/2006/relationships" xmlns:p="http://schemas.openxmlformats.org/presentationml/2006/main">
+  <p:cSld>
+    <p:spTree>
+      <p:nvGrpSpPr>
+        <p:cNvPr id="1" name=""/>
+        <p:cNvGrpSpPr/>
+        <p:nvPr/>
+      </p:nvGrpSpPr>
+      <p:grpSpPr>
+        <a:xfrm>
+          <a:off x="0" y="0"/>
+          <a:ext cx="0" cy="0"/>
+          <a:chOff x="0" y="0"/>
+          <a:chExt cx="0" cy="0"/>
+        </a:xfrm>
+      </p:grpSpPr>
       <p:sp>
         <p:nvSpPr>
-          <p:cNvPr id="3" name="Content Placeholder 2">
+          <p:cNvPr id="2" name="Title 1">
             <a:extLst>
               <a:ext uri="{FF2B5EF4-FFF2-40B4-BE49-F238E27FC236}">
-                <a16:creationId xmlns:a16="http://schemas.microsoft.com/office/drawing/2014/main" id="{7325C35D-B588-79B5-A622-3C0EBD883A43}"/>
+                <a16:creationId xmlns:a16="http://schemas.microsoft.com/office/drawing/2014/main" id="{B67423F6-CC95-4490-92BE-D3AFA9A034E7}"/>
               </a:ext>
             </a:extLst>
           </p:cNvPr>
@@ -19881,7 +20036,7 @@
             <a:spLocks noGrp="1"/>
           </p:cNvSpPr>
           <p:nvPr>
-            <p:ph idx="1"/>
+            <p:ph type="title"/>
           </p:nvPr>
         </p:nvSpPr>
         <p:spPr/>
@@ -19893,10 +20048,39 @@
           </a:p>
         </p:txBody>
       </p:sp>
+      <p:pic>
+        <p:nvPicPr>
+          <p:cNvPr id="5" name="Content Placeholder 4" descr="A graph of a graph&#10;&#10;AI-generated content may be incorrect.">
+            <a:extLst>
+              <a:ext uri="{FF2B5EF4-FFF2-40B4-BE49-F238E27FC236}">
+                <a16:creationId xmlns:a16="http://schemas.microsoft.com/office/drawing/2014/main" id="{34CA21E1-661E-A12D-4F97-369C95A9070E}"/>
+              </a:ext>
+            </a:extLst>
+          </p:cNvPr>
+          <p:cNvPicPr>
+            <a:picLocks noGrp="1" noChangeAspect="1"/>
+          </p:cNvPicPr>
+          <p:nvPr>
+            <p:ph idx="1"/>
+          </p:nvPr>
+        </p:nvPicPr>
+        <p:blipFill>
+          <a:blip r:embed="rId2"/>
+          <a:stretch>
+            <a:fillRect/>
+          </a:stretch>
+        </p:blipFill>
+        <p:spPr>
+          <a:xfrm>
+            <a:off x="3052531" y="1825625"/>
+            <a:ext cx="6086937" cy="4351338"/>
+          </a:xfrm>
+        </p:spPr>
+      </p:pic>
     </p:spTree>
     <p:extLst>
       <p:ext uri="{BB962C8B-B14F-4D97-AF65-F5344CB8AC3E}">
-        <p14:creationId xmlns:p14="http://schemas.microsoft.com/office/powerpoint/2010/main" val="3685652085"/>
+        <p14:creationId xmlns:p14="http://schemas.microsoft.com/office/powerpoint/2010/main" val="2019657058"/>
       </p:ext>
     </p:extLst>
   </p:cSld>
